--- a/Presentacion Python JC 2018 F.P.pptx
+++ b/Presentacion Python JC 2018 F.P.pptx
@@ -109,6 +109,11 @@
       </a:defRPr>
     </a:lvl9pPr>
   </p:defaultTextStyle>
+  <p:extLst>
+    <p:ext uri="{EFAFB233-063F-42B5-8137-9DF3F51BA10A}">
+      <p15:sldGuideLst xmlns:p15="http://schemas.microsoft.com/office/powerpoint/2012/main"/>
+    </p:ext>
+  </p:extLst>
 </p:presentation>
 </file>
 
@@ -1323,7 +1328,7 @@
           <a:p>
             <a:fld id="{4A0BCA02-DB12-4953-93F6-01F06E1D7933}" type="datetimeFigureOut">
               <a:rPr lang="es-ES" smtClean="0"/>
-              <a:t>16/04/2018</a:t>
+              <a:t>27/04/2018</a:t>
             </a:fld>
             <a:endParaRPr lang="es-ES"/>
           </a:p>
@@ -1561,7 +1566,7 @@
           <a:p>
             <a:fld id="{4A0BCA02-DB12-4953-93F6-01F06E1D7933}" type="datetimeFigureOut">
               <a:rPr lang="es-ES" smtClean="0"/>
-              <a:t>16/04/2018</a:t>
+              <a:t>27/04/2018</a:t>
             </a:fld>
             <a:endParaRPr lang="es-ES"/>
           </a:p>
@@ -1741,7 +1746,7 @@
           <a:p>
             <a:fld id="{4A0BCA02-DB12-4953-93F6-01F06E1D7933}" type="datetimeFigureOut">
               <a:rPr lang="es-ES" smtClean="0"/>
-              <a:t>16/04/2018</a:t>
+              <a:t>27/04/2018</a:t>
             </a:fld>
             <a:endParaRPr lang="es-ES"/>
           </a:p>
@@ -1911,7 +1916,7 @@
           <a:p>
             <a:fld id="{4A0BCA02-DB12-4953-93F6-01F06E1D7933}" type="datetimeFigureOut">
               <a:rPr lang="es-ES" smtClean="0"/>
-              <a:t>16/04/2018</a:t>
+              <a:t>27/04/2018</a:t>
             </a:fld>
             <a:endParaRPr lang="es-ES"/>
           </a:p>
@@ -2184,7 +2189,7 @@
           <a:p>
             <a:fld id="{4A0BCA02-DB12-4953-93F6-01F06E1D7933}" type="datetimeFigureOut">
               <a:rPr lang="es-ES" smtClean="0"/>
-              <a:t>16/04/2018</a:t>
+              <a:t>27/04/2018</a:t>
             </a:fld>
             <a:endParaRPr lang="es-ES"/>
           </a:p>
@@ -3385,7 +3390,7 @@
           <a:p>
             <a:fld id="{4A0BCA02-DB12-4953-93F6-01F06E1D7933}" type="datetimeFigureOut">
               <a:rPr lang="es-ES" smtClean="0"/>
-              <a:t>16/04/2018</a:t>
+              <a:t>27/04/2018</a:t>
             </a:fld>
             <a:endParaRPr lang="es-ES"/>
           </a:p>
@@ -3775,7 +3780,7 @@
           <a:p>
             <a:fld id="{4A0BCA02-DB12-4953-93F6-01F06E1D7933}" type="datetimeFigureOut">
               <a:rPr lang="es-ES" smtClean="0"/>
-              <a:t>16/04/2018</a:t>
+              <a:t>27/04/2018</a:t>
             </a:fld>
             <a:endParaRPr lang="es-ES"/>
           </a:p>
@@ -3898,7 +3903,7 @@
           <a:p>
             <a:fld id="{4A0BCA02-DB12-4953-93F6-01F06E1D7933}" type="datetimeFigureOut">
               <a:rPr lang="es-ES" smtClean="0"/>
-              <a:t>16/04/2018</a:t>
+              <a:t>27/04/2018</a:t>
             </a:fld>
             <a:endParaRPr lang="es-ES"/>
           </a:p>
@@ -3993,7 +3998,7 @@
           <a:p>
             <a:fld id="{4A0BCA02-DB12-4953-93F6-01F06E1D7933}" type="datetimeFigureOut">
               <a:rPr lang="es-ES" smtClean="0"/>
-              <a:t>16/04/2018</a:t>
+              <a:t>27/04/2018</a:t>
             </a:fld>
             <a:endParaRPr lang="es-ES"/>
           </a:p>
@@ -4756,7 +4761,7 @@
           <a:p>
             <a:fld id="{4A0BCA02-DB12-4953-93F6-01F06E1D7933}" type="datetimeFigureOut">
               <a:rPr lang="es-ES" smtClean="0"/>
-              <a:t>16/04/2018</a:t>
+              <a:t>27/04/2018</a:t>
             </a:fld>
             <a:endParaRPr lang="es-ES"/>
           </a:p>
@@ -4865,7 +4870,7 @@
   <p:extLst mod="1">
     <p:ext uri="{DCECCB84-F9BA-43D5-87BE-67443E8EF086}">
       <p15:sldGuideLst xmlns:p15="http://schemas.microsoft.com/office/powerpoint/2012/main">
-        <p15:guide id="4294967295" orient="horz" pos="696">
+        <p15:guide id="1" orient="horz" pos="696">
           <p15:clr>
             <a:srgbClr val="FBAE40"/>
           </p15:clr>
@@ -5596,7 +5601,7 @@
           <a:p>
             <a:fld id="{4A0BCA02-DB12-4953-93F6-01F06E1D7933}" type="datetimeFigureOut">
               <a:rPr lang="es-ES" smtClean="0"/>
-              <a:t>16/04/2018</a:t>
+              <a:t>27/04/2018</a:t>
             </a:fld>
             <a:endParaRPr lang="es-ES"/>
           </a:p>
@@ -5823,7 +5828,7 @@
           <a:p>
             <a:fld id="{4A0BCA02-DB12-4953-93F6-01F06E1D7933}" type="datetimeFigureOut">
               <a:rPr lang="es-ES" smtClean="0"/>
-              <a:t>16/04/2018</a:t>
+              <a:t>27/04/2018</a:t>
             </a:fld>
             <a:endParaRPr lang="es-ES"/>
           </a:p>
@@ -6769,32 +6774,32 @@
   <p:extLst mod="1">
     <p:ext uri="{27BBF7A9-308A-43DC-89C8-2F10F3537804}">
       <p15:sldGuideLst xmlns:p15="http://schemas.microsoft.com/office/powerpoint/2012/main">
-        <p15:guide id="4294967295" pos="792">
+        <p15:guide id="1" pos="792">
           <p15:clr>
             <a:srgbClr val="F26B43"/>
           </p15:clr>
         </p15:guide>
-        <p15:guide id="4294967295" pos="7200">
+        <p15:guide id="2" pos="7200">
           <p15:clr>
             <a:srgbClr val="F26B43"/>
           </p15:clr>
         </p15:guide>
-        <p15:guide id="4294967295" orient="horz" pos="4008">
+        <p15:guide id="3" orient="horz" pos="4008">
           <p15:clr>
             <a:srgbClr val="F26B43"/>
           </p15:clr>
         </p15:guide>
-        <p15:guide id="4294967295" orient="horz" pos="1440">
+        <p15:guide id="4" orient="horz" pos="1440">
           <p15:clr>
             <a:srgbClr val="F26B43"/>
           </p15:clr>
         </p15:guide>
-        <p15:guide id="4294967295" orient="horz" pos="3720">
+        <p15:guide id="5" orient="horz" pos="3720">
           <p15:clr>
             <a:srgbClr val="F26B43"/>
           </p15:clr>
         </p15:guide>
-        <p15:guide id="4294967295" orient="horz" pos="240">
+        <p15:guide id="6" orient="horz" pos="240">
           <p15:clr>
             <a:srgbClr val="F26B43"/>
           </p15:clr>
@@ -7681,25 +7686,6 @@
               <a:t>Programas</a:t>
             </a:r>
             <a:endParaRPr lang="es-ES" dirty="0"/>
-          </a:p>
-        </p:txBody>
-      </p:sp>
-      <p:sp>
-        <p:nvSpPr>
-          <p:cNvPr id="3" name="Marcador de contenido 2"/>
-          <p:cNvSpPr>
-            <a:spLocks noGrp="1"/>
-          </p:cNvSpPr>
-          <p:nvPr>
-            <p:ph idx="1"/>
-          </p:nvPr>
-        </p:nvSpPr>
-        <p:spPr/>
-        <p:txBody>
-          <a:bodyPr/>
-          <a:lstStyle/>
-          <a:p>
-            <a:endParaRPr lang="es-ES"/>
           </a:p>
         </p:txBody>
       </p:sp>

--- a/Presentacion Python JC 2018 F.P.pptx
+++ b/Presentacion Python JC 2018 F.P.pptx
@@ -9,8 +9,9 @@
     <p:sldId id="257" r:id="rId3"/>
     <p:sldId id="258" r:id="rId4"/>
     <p:sldId id="259" r:id="rId5"/>
-    <p:sldId id="260" r:id="rId6"/>
-    <p:sldId id="261" r:id="rId7"/>
+    <p:sldId id="262" r:id="rId6"/>
+    <p:sldId id="260" r:id="rId7"/>
+    <p:sldId id="261" r:id="rId8"/>
   </p:sldIdLst>
   <p:sldSz cx="12192000" cy="6858000"/>
   <p:notesSz cx="6858000" cy="9144000"/>
@@ -1328,7 +1329,7 @@
           <a:p>
             <a:fld id="{4A0BCA02-DB12-4953-93F6-01F06E1D7933}" type="datetimeFigureOut">
               <a:rPr lang="es-ES" smtClean="0"/>
-              <a:t>27/04/2018</a:t>
+              <a:t>02/05/2018</a:t>
             </a:fld>
             <a:endParaRPr lang="es-ES"/>
           </a:p>
@@ -1566,7 +1567,7 @@
           <a:p>
             <a:fld id="{4A0BCA02-DB12-4953-93F6-01F06E1D7933}" type="datetimeFigureOut">
               <a:rPr lang="es-ES" smtClean="0"/>
-              <a:t>27/04/2018</a:t>
+              <a:t>02/05/2018</a:t>
             </a:fld>
             <a:endParaRPr lang="es-ES"/>
           </a:p>
@@ -1746,7 +1747,7 @@
           <a:p>
             <a:fld id="{4A0BCA02-DB12-4953-93F6-01F06E1D7933}" type="datetimeFigureOut">
               <a:rPr lang="es-ES" smtClean="0"/>
-              <a:t>27/04/2018</a:t>
+              <a:t>02/05/2018</a:t>
             </a:fld>
             <a:endParaRPr lang="es-ES"/>
           </a:p>
@@ -1916,7 +1917,7 @@
           <a:p>
             <a:fld id="{4A0BCA02-DB12-4953-93F6-01F06E1D7933}" type="datetimeFigureOut">
               <a:rPr lang="es-ES" smtClean="0"/>
-              <a:t>27/04/2018</a:t>
+              <a:t>02/05/2018</a:t>
             </a:fld>
             <a:endParaRPr lang="es-ES"/>
           </a:p>
@@ -2189,7 +2190,7 @@
           <a:p>
             <a:fld id="{4A0BCA02-DB12-4953-93F6-01F06E1D7933}" type="datetimeFigureOut">
               <a:rPr lang="es-ES" smtClean="0"/>
-              <a:t>27/04/2018</a:t>
+              <a:t>02/05/2018</a:t>
             </a:fld>
             <a:endParaRPr lang="es-ES"/>
           </a:p>
@@ -3390,7 +3391,7 @@
           <a:p>
             <a:fld id="{4A0BCA02-DB12-4953-93F6-01F06E1D7933}" type="datetimeFigureOut">
               <a:rPr lang="es-ES" smtClean="0"/>
-              <a:t>27/04/2018</a:t>
+              <a:t>02/05/2018</a:t>
             </a:fld>
             <a:endParaRPr lang="es-ES"/>
           </a:p>
@@ -3780,7 +3781,7 @@
           <a:p>
             <a:fld id="{4A0BCA02-DB12-4953-93F6-01F06E1D7933}" type="datetimeFigureOut">
               <a:rPr lang="es-ES" smtClean="0"/>
-              <a:t>27/04/2018</a:t>
+              <a:t>02/05/2018</a:t>
             </a:fld>
             <a:endParaRPr lang="es-ES"/>
           </a:p>
@@ -3903,7 +3904,7 @@
           <a:p>
             <a:fld id="{4A0BCA02-DB12-4953-93F6-01F06E1D7933}" type="datetimeFigureOut">
               <a:rPr lang="es-ES" smtClean="0"/>
-              <a:t>27/04/2018</a:t>
+              <a:t>02/05/2018</a:t>
             </a:fld>
             <a:endParaRPr lang="es-ES"/>
           </a:p>
@@ -3998,7 +3999,7 @@
           <a:p>
             <a:fld id="{4A0BCA02-DB12-4953-93F6-01F06E1D7933}" type="datetimeFigureOut">
               <a:rPr lang="es-ES" smtClean="0"/>
-              <a:t>27/04/2018</a:t>
+              <a:t>02/05/2018</a:t>
             </a:fld>
             <a:endParaRPr lang="es-ES"/>
           </a:p>
@@ -4761,7 +4762,7 @@
           <a:p>
             <a:fld id="{4A0BCA02-DB12-4953-93F6-01F06E1D7933}" type="datetimeFigureOut">
               <a:rPr lang="es-ES" smtClean="0"/>
-              <a:t>27/04/2018</a:t>
+              <a:t>02/05/2018</a:t>
             </a:fld>
             <a:endParaRPr lang="es-ES"/>
           </a:p>
@@ -5601,7 +5602,7 @@
           <a:p>
             <a:fld id="{4A0BCA02-DB12-4953-93F6-01F06E1D7933}" type="datetimeFigureOut">
               <a:rPr lang="es-ES" smtClean="0"/>
-              <a:t>27/04/2018</a:t>
+              <a:t>02/05/2018</a:t>
             </a:fld>
             <a:endParaRPr lang="es-ES"/>
           </a:p>
@@ -5828,7 +5829,7 @@
           <a:p>
             <a:fld id="{4A0BCA02-DB12-4953-93F6-01F06E1D7933}" type="datetimeFigureOut">
               <a:rPr lang="es-ES" smtClean="0"/>
-              <a:t>27/04/2018</a:t>
+              <a:t>02/05/2018</a:t>
             </a:fld>
             <a:endParaRPr lang="es-ES"/>
           </a:p>
@@ -7617,25 +7618,127 @@
           </a:p>
         </p:txBody>
       </p:sp>
-      <p:sp>
-        <p:nvSpPr>
-          <p:cNvPr id="3" name="Marcador de contenido 2"/>
+      <p:pic>
+        <p:nvPicPr>
+          <p:cNvPr id="1034" name="Picture 10" descr="Resultado de imagen para palomita"/>
+          <p:cNvPicPr>
+            <a:picLocks noChangeAspect="1" noChangeArrowheads="1"/>
+          </p:cNvPicPr>
+          <p:nvPr/>
+        </p:nvPicPr>
+        <p:blipFill>
+          <a:blip r:embed="rId2" cstate="print">
+            <a:extLst>
+              <a:ext uri="{28A0092B-C50C-407E-A947-70E740481C1C}">
+                <a14:useLocalDpi xmlns:a14="http://schemas.microsoft.com/office/drawing/2010/main" val="0"/>
+              </a:ext>
+            </a:extLst>
+          </a:blip>
+          <a:srcRect/>
+          <a:stretch>
+            <a:fillRect/>
+          </a:stretch>
+        </p:blipFill>
+        <p:spPr bwMode="auto">
+          <a:xfrm>
+            <a:off x="2254540" y="2358792"/>
+            <a:ext cx="3070227" cy="2389798"/>
+          </a:xfrm>
+          <a:prstGeom prst="rect">
+            <a:avLst/>
+          </a:prstGeom>
+          <a:noFill/>
+          <a:extLst>
+            <a:ext uri="{909E8E84-426E-40DD-AFC4-6F175D3DCCD1}">
+              <a14:hiddenFill xmlns:a14="http://schemas.microsoft.com/office/drawing/2010/main">
+                <a:solidFill>
+                  <a:srgbClr val="FFFFFF"/>
+                </a:solidFill>
+              </a14:hiddenFill>
+            </a:ext>
+          </a:extLst>
+        </p:spPr>
+      </p:pic>
+      <p:sp>
+        <p:nvSpPr>
+          <p:cNvPr id="8" name="AutoShape 12" descr="Resultado de imagen para tache"/>
           <p:cNvSpPr>
-            <a:spLocks noGrp="1"/>
+            <a:spLocks noChangeAspect="1" noChangeArrowheads="1"/>
           </p:cNvSpPr>
-          <p:nvPr>
-            <p:ph idx="1"/>
-          </p:nvPr>
-        </p:nvSpPr>
-        <p:spPr/>
+          <p:nvPr/>
+        </p:nvSpPr>
+        <p:spPr bwMode="auto">
+          <a:xfrm>
+            <a:off x="1828512" y="863455"/>
+            <a:ext cx="304800" cy="304801"/>
+          </a:xfrm>
+          <a:prstGeom prst="rect">
+            <a:avLst/>
+          </a:prstGeom>
+          <a:noFill/>
+          <a:extLst>
+            <a:ext uri="{909E8E84-426E-40DD-AFC4-6F175D3DCCD1}">
+              <a14:hiddenFill xmlns:a14="http://schemas.microsoft.com/office/drawing/2010/main">
+                <a:solidFill>
+                  <a:srgbClr val="FFFFFF"/>
+                </a:solidFill>
+              </a14:hiddenFill>
+            </a:ext>
+          </a:extLst>
+        </p:spPr>
         <p:txBody>
-          <a:bodyPr/>
+          <a:bodyPr vert="horz" wrap="square" lIns="91440" tIns="45720" rIns="91440" bIns="45720" numCol="1" anchor="t" anchorCtr="0" compatLnSpc="1">
+            <a:prstTxWarp prst="textNoShape">
+              <a:avLst/>
+            </a:prstTxWarp>
+          </a:bodyPr>
           <a:lstStyle/>
           <a:p>
-            <a:endParaRPr lang="es-ES" dirty="0"/>
+            <a:endParaRPr lang="es-ES"/>
           </a:p>
         </p:txBody>
       </p:sp>
+      <p:pic>
+        <p:nvPicPr>
+          <p:cNvPr id="1040" name="Picture 16" descr="Resultado de imagen para tache"/>
+          <p:cNvPicPr>
+            <a:picLocks noChangeAspect="1" noChangeArrowheads="1"/>
+          </p:cNvPicPr>
+          <p:nvPr/>
+        </p:nvPicPr>
+        <p:blipFill>
+          <a:blip r:embed="rId3" cstate="print">
+            <a:extLst>
+              <a:ext uri="{28A0092B-C50C-407E-A947-70E740481C1C}">
+                <a14:useLocalDpi xmlns:a14="http://schemas.microsoft.com/office/drawing/2010/main" val="0"/>
+              </a:ext>
+            </a:extLst>
+          </a:blip>
+          <a:srcRect/>
+          <a:stretch>
+            <a:fillRect/>
+          </a:stretch>
+        </p:blipFill>
+        <p:spPr bwMode="auto">
+          <a:xfrm>
+            <a:off x="7234457" y="1656629"/>
+            <a:ext cx="3206316" cy="3206316"/>
+          </a:xfrm>
+          <a:prstGeom prst="rect">
+            <a:avLst/>
+          </a:prstGeom>
+          <a:noFill/>
+          <a:extLst>
+            <a:ext uri="{909E8E84-426E-40DD-AFC4-6F175D3DCCD1}">
+              <a14:hiddenFill xmlns:a14="http://schemas.microsoft.com/office/drawing/2010/main">
+                <a:solidFill>
+                  <a:srgbClr val="FFFFFF"/>
+                </a:solidFill>
+              </a14:hiddenFill>
+            </a:ext>
+          </a:extLst>
+        </p:spPr>
+      </p:pic>
     </p:spTree>
     <p:extLst>
       <p:ext uri="{BB962C8B-B14F-4D97-AF65-F5344CB8AC3E}">
@@ -7683,16 +7786,128 @@
           <a:p>
             <a:r>
               <a:rPr lang="es-ES" dirty="0" smtClean="0"/>
-              <a:t>Programas</a:t>
+              <a:t>Tiene de Todo</a:t>
             </a:r>
             <a:endParaRPr lang="es-ES" dirty="0"/>
           </a:p>
         </p:txBody>
       </p:sp>
+      <p:sp>
+        <p:nvSpPr>
+          <p:cNvPr id="3" name="Marcador de contenido 2"/>
+          <p:cNvSpPr>
+            <a:spLocks noGrp="1"/>
+          </p:cNvSpPr>
+          <p:nvPr>
+            <p:ph idx="1"/>
+          </p:nvPr>
+        </p:nvSpPr>
+        <p:spPr/>
+        <p:txBody>
+          <a:bodyPr/>
+          <a:lstStyle/>
+          <a:p>
+            <a:r>
+              <a:rPr lang="es-ES" dirty="0" smtClean="0"/>
+              <a:t>Libre y de fuente abierta</a:t>
+            </a:r>
+          </a:p>
+          <a:p>
+            <a:r>
+              <a:rPr lang="es-ES" dirty="0" smtClean="0"/>
+              <a:t>Lenguaje de propósito general</a:t>
+            </a:r>
+          </a:p>
+          <a:p>
+            <a:r>
+              <a:rPr lang="es-ES" dirty="0" smtClean="0"/>
+              <a:t>Gran Cantidad de funciones y librerías</a:t>
+            </a:r>
+          </a:p>
+          <a:p>
+            <a:r>
+              <a:rPr lang="es-ES" dirty="0" smtClean="0"/>
+              <a:t>Sencillo y rápido de programar</a:t>
+            </a:r>
+          </a:p>
+          <a:p>
+            <a:r>
+              <a:rPr lang="es-ES" dirty="0" smtClean="0"/>
+              <a:t>Multiplataforma</a:t>
+            </a:r>
+          </a:p>
+          <a:p>
+            <a:r>
+              <a:rPr lang="es-ES" dirty="0" smtClean="0"/>
+              <a:t>Orientado a Objetos</a:t>
+            </a:r>
+          </a:p>
+          <a:p>
+            <a:r>
+              <a:rPr lang="es-ES" dirty="0" smtClean="0"/>
+              <a:t>Potable</a:t>
+            </a:r>
+          </a:p>
+          <a:p>
+            <a:endParaRPr lang="es-ES" dirty="0"/>
+          </a:p>
+          <a:p>
+            <a:endParaRPr lang="es-ES" dirty="0" smtClean="0"/>
+          </a:p>
+        </p:txBody>
+      </p:sp>
+      <p:pic>
+        <p:nvPicPr>
+          <p:cNvPr id="4" name="Imagen 3"/>
+          <p:cNvPicPr>
+            <a:picLocks noChangeAspect="1"/>
+          </p:cNvPicPr>
+          <p:nvPr/>
+        </p:nvPicPr>
+        <p:blipFill>
+          <a:blip r:embed="rId2"/>
+          <a:stretch>
+            <a:fillRect/>
+          </a:stretch>
+        </p:blipFill>
+        <p:spPr>
+          <a:xfrm>
+            <a:off x="5986030" y="2144424"/>
+            <a:ext cx="5599834" cy="2729257"/>
+          </a:xfrm>
+          <a:prstGeom prst="rect">
+            <a:avLst/>
+          </a:prstGeom>
+          <a:ln w="127000" cap="rnd">
+            <a:solidFill>
+              <a:srgbClr val="FFFFFF"/>
+            </a:solidFill>
+          </a:ln>
+          <a:effectLst>
+            <a:outerShdw blurRad="76200" dist="95250" dir="10500000" sx="97000" sy="23000" kx="900000" algn="br" rotWithShape="0">
+              <a:srgbClr val="000000">
+                <a:alpha val="20000"/>
+              </a:srgbClr>
+            </a:outerShdw>
+          </a:effectLst>
+          <a:scene3d>
+            <a:camera prst="orthographicFront"/>
+            <a:lightRig rig="twoPt" dir="t">
+              <a:rot lat="0" lon="0" rev="7800000"/>
+            </a:lightRig>
+          </a:scene3d>
+          <a:sp3d contourW="6350">
+            <a:bevelT w="50800" h="16510"/>
+            <a:contourClr>
+              <a:srgbClr val="C0C0C0"/>
+            </a:contourClr>
+          </a:sp3d>
+        </p:spPr>
+      </p:pic>
     </p:spTree>
     <p:extLst>
       <p:ext uri="{BB962C8B-B14F-4D97-AF65-F5344CB8AC3E}">
-        <p14:creationId xmlns:p14="http://schemas.microsoft.com/office/powerpoint/2010/main" val="3457232887"/>
+        <p14:creationId xmlns:p14="http://schemas.microsoft.com/office/powerpoint/2010/main" val="496975075"/>
       </p:ext>
     </p:extLst>
   </p:cSld>
@@ -7736,7 +7951,7 @@
           <a:p>
             <a:r>
               <a:rPr lang="es-ES" dirty="0" smtClean="0"/>
-              <a:t>Opinión personal</a:t>
+              <a:t>Programas</a:t>
             </a:r>
             <a:endParaRPr lang="es-ES" dirty="0"/>
           </a:p>
@@ -7744,12 +7959,136 @@
       </p:sp>
       <p:sp>
         <p:nvSpPr>
-          <p:cNvPr id="3" name="Marcador de contenido 2"/>
+          <p:cNvPr id="4" name="Rectángulo 3"/>
+          <p:cNvSpPr/>
+          <p:nvPr/>
+        </p:nvSpPr>
+        <p:spPr>
+          <a:xfrm>
+            <a:off x="5401917" y="759119"/>
+            <a:ext cx="5757920" cy="738664"/>
+          </a:xfrm>
+          <a:prstGeom prst="rect">
+            <a:avLst/>
+          </a:prstGeom>
+          <a:ln>
+            <a:solidFill>
+              <a:schemeClr val="tx1"/>
+            </a:solidFill>
+          </a:ln>
+        </p:spPr>
+        <p:txBody>
+          <a:bodyPr wrap="square">
+            <a:spAutoFit/>
+          </a:bodyPr>
+          <a:lstStyle/>
+          <a:p>
+            <a:pPr algn="ctr"/>
+            <a:r>
+              <a:rPr lang="es-ES" sz="2400" dirty="0">
+                <a:hlinkClick r:id="rId2"/>
+              </a:rPr>
+              <a:t>https://</a:t>
+            </a:r>
+            <a:r>
+              <a:rPr lang="es-ES" sz="2400" dirty="0" smtClean="0">
+                <a:hlinkClick r:id="rId2"/>
+              </a:rPr>
+              <a:t>github.com/JoseCarlosPa/F.P-Project</a:t>
+            </a:r>
+            <a:endParaRPr lang="es-ES" sz="2400" dirty="0" smtClean="0"/>
+          </a:p>
+          <a:p>
+            <a:endParaRPr lang="es-ES" dirty="0"/>
+          </a:p>
+        </p:txBody>
+      </p:sp>
+      <p:pic>
+        <p:nvPicPr>
+          <p:cNvPr id="5" name="Imagen 4"/>
+          <p:cNvPicPr>
+            <a:picLocks noChangeAspect="1"/>
+          </p:cNvPicPr>
+          <p:nvPr/>
+        </p:nvPicPr>
+        <p:blipFill>
+          <a:blip r:embed="rId3"/>
+          <a:stretch>
+            <a:fillRect/>
+          </a:stretch>
+        </p:blipFill>
+        <p:spPr>
+          <a:xfrm>
+            <a:off x="1489363" y="1967778"/>
+            <a:ext cx="3149331" cy="1585913"/>
+          </a:xfrm>
+          <a:prstGeom prst="rect">
+            <a:avLst/>
+          </a:prstGeom>
+        </p:spPr>
+      </p:pic>
+      <p:pic>
+        <p:nvPicPr>
+          <p:cNvPr id="6" name="Imagen 5"/>
+          <p:cNvPicPr>
+            <a:picLocks noChangeAspect="1"/>
+          </p:cNvPicPr>
+          <p:nvPr/>
+        </p:nvPicPr>
+        <p:blipFill>
+          <a:blip r:embed="rId4"/>
+          <a:stretch>
+            <a:fillRect/>
+          </a:stretch>
+        </p:blipFill>
+        <p:spPr>
+          <a:xfrm>
+            <a:off x="4247284" y="3026352"/>
+            <a:ext cx="2762250" cy="1657350"/>
+          </a:xfrm>
+          <a:prstGeom prst="rect">
+            <a:avLst/>
+          </a:prstGeom>
+        </p:spPr>
+      </p:pic>
+    </p:spTree>
+    <p:extLst>
+      <p:ext uri="{BB962C8B-B14F-4D97-AF65-F5344CB8AC3E}">
+        <p14:creationId xmlns:p14="http://schemas.microsoft.com/office/powerpoint/2010/main" val="3457232887"/>
+      </p:ext>
+    </p:extLst>
+  </p:cSld>
+  <p:clrMapOvr>
+    <a:masterClrMapping/>
+  </p:clrMapOvr>
+</p:sld>
+</file>
+
+<file path=ppt/slides/slide7.xml><?xml version="1.0" encoding="utf-8"?>
+<p:sld xmlns:a="http://schemas.openxmlformats.org/drawingml/2006/main" xmlns:r="http://schemas.openxmlformats.org/officeDocument/2006/relationships" xmlns:p="http://schemas.openxmlformats.org/presentationml/2006/main">
+  <p:cSld>
+    <p:spTree>
+      <p:nvGrpSpPr>
+        <p:cNvPr id="1" name=""/>
+        <p:cNvGrpSpPr/>
+        <p:nvPr/>
+      </p:nvGrpSpPr>
+      <p:grpSpPr>
+        <a:xfrm>
+          <a:off x="0" y="0"/>
+          <a:ext cx="0" cy="0"/>
+          <a:chOff x="0" y="0"/>
+          <a:chExt cx="0" cy="0"/>
+        </a:xfrm>
+      </p:grpSpPr>
+      <p:sp>
+        <p:nvSpPr>
+          <p:cNvPr id="2" name="Título 1"/>
           <p:cNvSpPr>
             <a:spLocks noGrp="1"/>
           </p:cNvSpPr>
           <p:nvPr>
-            <p:ph idx="1"/>
+            <p:ph type="title"/>
           </p:nvPr>
         </p:nvSpPr>
         <p:spPr/>
@@ -7757,10 +8096,103 @@
           <a:bodyPr/>
           <a:lstStyle/>
           <a:p>
-            <a:endParaRPr lang="es-ES"/>
+            <a:r>
+              <a:rPr lang="es-ES" dirty="0" smtClean="0"/>
+              <a:t>Opinión personal</a:t>
+            </a:r>
+            <a:endParaRPr lang="es-ES" dirty="0"/>
           </a:p>
         </p:txBody>
       </p:sp>
+      <p:pic>
+        <p:nvPicPr>
+          <p:cNvPr id="2050" name="Picture 2" descr="Resultado de imagen para practico"/>
+          <p:cNvPicPr>
+            <a:picLocks noChangeAspect="1" noChangeArrowheads="1"/>
+          </p:cNvPicPr>
+          <p:nvPr/>
+        </p:nvPicPr>
+        <p:blipFill>
+          <a:blip r:embed="rId2" cstate="print">
+            <a:extLst>
+              <a:ext uri="{28A0092B-C50C-407E-A947-70E740481C1C}">
+                <a14:useLocalDpi xmlns:a14="http://schemas.microsoft.com/office/drawing/2010/main" val="0"/>
+              </a:ext>
+            </a:extLst>
+          </a:blip>
+          <a:srcRect/>
+          <a:stretch>
+            <a:fillRect/>
+          </a:stretch>
+        </p:blipFill>
+        <p:spPr bwMode="auto">
+          <a:xfrm>
+            <a:off x="1568739" y="1874517"/>
+            <a:ext cx="2911211" cy="1435389"/>
+          </a:xfrm>
+          <a:prstGeom prst="rect">
+            <a:avLst/>
+          </a:prstGeom>
+          <a:noFill/>
+          <a:extLst>
+            <a:ext uri="{909E8E84-426E-40DD-AFC4-6F175D3DCCD1}">
+              <a14:hiddenFill xmlns:a14="http://schemas.microsoft.com/office/drawing/2010/main">
+                <a:solidFill>
+                  <a:srgbClr val="FFFFFF"/>
+                </a:solidFill>
+              </a14:hiddenFill>
+            </a:ext>
+          </a:extLst>
+        </p:spPr>
+      </p:pic>
+      <p:pic>
+        <p:nvPicPr>
+          <p:cNvPr id="5" name="Imagen 4"/>
+          <p:cNvPicPr>
+            <a:picLocks noChangeAspect="1"/>
+          </p:cNvPicPr>
+          <p:nvPr/>
+        </p:nvPicPr>
+        <p:blipFill>
+          <a:blip r:embed="rId3"/>
+          <a:stretch>
+            <a:fillRect/>
+          </a:stretch>
+        </p:blipFill>
+        <p:spPr>
+          <a:xfrm>
+            <a:off x="1798926" y="3797150"/>
+            <a:ext cx="2276475" cy="2009775"/>
+          </a:xfrm>
+          <a:prstGeom prst="rect">
+            <a:avLst/>
+          </a:prstGeom>
+        </p:spPr>
+      </p:pic>
+      <p:pic>
+        <p:nvPicPr>
+          <p:cNvPr id="6" name="Imagen 5"/>
+          <p:cNvPicPr>
+            <a:picLocks noChangeAspect="1"/>
+          </p:cNvPicPr>
+          <p:nvPr/>
+        </p:nvPicPr>
+        <p:blipFill>
+          <a:blip r:embed="rId4"/>
+          <a:stretch>
+            <a:fillRect/>
+          </a:stretch>
+        </p:blipFill>
+        <p:spPr>
+          <a:xfrm>
+            <a:off x="5257800" y="1874517"/>
+            <a:ext cx="6000651" cy="3997934"/>
+          </a:xfrm>
+          <a:prstGeom prst="rect">
+            <a:avLst/>
+          </a:prstGeom>
+        </p:spPr>
+      </p:pic>
     </p:spTree>
     <p:extLst>
       <p:ext uri="{BB962C8B-B14F-4D97-AF65-F5344CB8AC3E}">
